--- a/design/mockup_v1.pptx
+++ b/design/mockup_v1.pptx
@@ -4353,7 +4353,7 @@
         </p:nvSpPr>
         <p:spPr>
           <a:xfrm>
-            <a:off x="3913239" y="5997677"/>
+            <a:off x="3913239" y="6102452"/>
             <a:ext cx="1484671" cy="619433"/>
           </a:xfrm>
           <a:prstGeom prst="rect">
@@ -4413,7 +4413,7 @@
         </p:nvSpPr>
         <p:spPr>
           <a:xfrm>
-            <a:off x="6799365" y="5997677"/>
+            <a:off x="6799365" y="6102452"/>
             <a:ext cx="1484671" cy="619433"/>
           </a:xfrm>
           <a:prstGeom prst="rect">
@@ -4455,6 +4455,301 @@
                 <a:latin typeface="Bahnschrift Light" panose="020B0502040204020203" pitchFamily="34" charset="0"/>
               </a:rPr>
               <a:t>Enviar</a:t>
+            </a:r>
+          </a:p>
+        </p:txBody>
+      </p:sp>
+      <p:sp>
+        <p:nvSpPr>
+          <p:cNvPr id="3" name="Rectángulo 2">
+            <a:extLst>
+              <a:ext uri="{FF2B5EF4-FFF2-40B4-BE49-F238E27FC236}">
+                <a16:creationId xmlns:a16="http://schemas.microsoft.com/office/drawing/2014/main" id="{21D1DD57-5214-4F8C-A07A-A8CDFD33A77B}"/>
+              </a:ext>
+            </a:extLst>
+          </p:cNvPr>
+          <p:cNvSpPr/>
+          <p:nvPr/>
+        </p:nvSpPr>
+        <p:spPr>
+          <a:xfrm>
+            <a:off x="1110873" y="2737608"/>
+            <a:ext cx="1709450" cy="3012040"/>
+          </a:xfrm>
+          <a:prstGeom prst="rect">
+            <a:avLst/>
+          </a:prstGeom>
+          <a:solidFill>
+            <a:schemeClr val="tx1"/>
+          </a:solidFill>
+          <a:ln>
+            <a:noFill/>
+          </a:ln>
+        </p:spPr>
+        <p:style>
+          <a:lnRef idx="2">
+            <a:schemeClr val="accent1">
+              <a:shade val="50000"/>
+            </a:schemeClr>
+          </a:lnRef>
+          <a:fillRef idx="1">
+            <a:schemeClr val="accent1"/>
+          </a:fillRef>
+          <a:effectRef idx="0">
+            <a:schemeClr val="accent1"/>
+          </a:effectRef>
+          <a:fontRef idx="minor">
+            <a:schemeClr val="lt1"/>
+          </a:fontRef>
+        </p:style>
+        <p:txBody>
+          <a:bodyPr rtlCol="0" anchor="ctr"/>
+          <a:lstStyle/>
+          <a:p>
+            <a:pPr algn="ctr"/>
+            <a:r>
+              <a:rPr lang="es-ES" dirty="0">
+                <a:solidFill>
+                  <a:schemeClr val="bg1"/>
+                </a:solidFill>
+              </a:rPr>
+              <a:t>Has elegido ayudar a los niños</a:t>
+            </a:r>
+          </a:p>
+        </p:txBody>
+      </p:sp>
+      <p:sp>
+        <p:nvSpPr>
+          <p:cNvPr id="13" name="Rectángulo 12">
+            <a:extLst>
+              <a:ext uri="{FF2B5EF4-FFF2-40B4-BE49-F238E27FC236}">
+                <a16:creationId xmlns:a16="http://schemas.microsoft.com/office/drawing/2014/main" id="{E4C4C881-A70F-8EBE-CB1D-4E076CCB6A2A}"/>
+              </a:ext>
+            </a:extLst>
+          </p:cNvPr>
+          <p:cNvSpPr/>
+          <p:nvPr/>
+        </p:nvSpPr>
+        <p:spPr>
+          <a:xfrm>
+            <a:off x="5210924" y="2730234"/>
+            <a:ext cx="1709450" cy="3012040"/>
+          </a:xfrm>
+          <a:prstGeom prst="rect">
+            <a:avLst/>
+          </a:prstGeom>
+          <a:solidFill>
+            <a:schemeClr val="tx1"/>
+          </a:solidFill>
+          <a:ln>
+            <a:noFill/>
+          </a:ln>
+        </p:spPr>
+        <p:style>
+          <a:lnRef idx="2">
+            <a:schemeClr val="accent1">
+              <a:shade val="50000"/>
+            </a:schemeClr>
+          </a:lnRef>
+          <a:fillRef idx="1">
+            <a:schemeClr val="accent1"/>
+          </a:fillRef>
+          <a:effectRef idx="0">
+            <a:schemeClr val="accent1"/>
+          </a:effectRef>
+          <a:fontRef idx="minor">
+            <a:schemeClr val="lt1"/>
+          </a:fontRef>
+        </p:style>
+        <p:txBody>
+          <a:bodyPr rtlCol="0" anchor="ctr"/>
+          <a:lstStyle/>
+          <a:p>
+            <a:pPr algn="ctr"/>
+            <a:r>
+              <a:rPr lang="es-ES" dirty="0">
+                <a:solidFill>
+                  <a:schemeClr val="bg1"/>
+                </a:solidFill>
+              </a:rPr>
+              <a:t>Buscas un Acogimiento Familiar de Urgencia</a:t>
+            </a:r>
+          </a:p>
+        </p:txBody>
+      </p:sp>
+      <p:sp>
+        <p:nvSpPr>
+          <p:cNvPr id="14" name="Rectángulo 13">
+            <a:extLst>
+              <a:ext uri="{FF2B5EF4-FFF2-40B4-BE49-F238E27FC236}">
+                <a16:creationId xmlns:a16="http://schemas.microsoft.com/office/drawing/2014/main" id="{CCBB5882-7978-0212-BABD-A565DA29F90D}"/>
+              </a:ext>
+            </a:extLst>
+          </p:cNvPr>
+          <p:cNvSpPr/>
+          <p:nvPr/>
+        </p:nvSpPr>
+        <p:spPr>
+          <a:xfrm>
+            <a:off x="9310975" y="2730234"/>
+            <a:ext cx="1709450" cy="3012040"/>
+          </a:xfrm>
+          <a:prstGeom prst="rect">
+            <a:avLst/>
+          </a:prstGeom>
+          <a:solidFill>
+            <a:schemeClr val="tx1"/>
+          </a:solidFill>
+          <a:ln>
+            <a:noFill/>
+          </a:ln>
+        </p:spPr>
+        <p:style>
+          <a:lnRef idx="2">
+            <a:schemeClr val="accent1">
+              <a:shade val="50000"/>
+            </a:schemeClr>
+          </a:lnRef>
+          <a:fillRef idx="1">
+            <a:schemeClr val="accent1"/>
+          </a:fillRef>
+          <a:effectRef idx="0">
+            <a:schemeClr val="accent1"/>
+          </a:effectRef>
+          <a:fontRef idx="minor">
+            <a:schemeClr val="lt1"/>
+          </a:fontRef>
+        </p:style>
+        <p:txBody>
+          <a:bodyPr rtlCol="0" anchor="ctr"/>
+          <a:lstStyle/>
+          <a:p>
+            <a:pPr algn="ctr"/>
+            <a:r>
+              <a:rPr lang="es-ES" dirty="0">
+                <a:solidFill>
+                  <a:schemeClr val="bg1"/>
+                </a:solidFill>
+              </a:rPr>
+              <a:t>Estás dispuesto a formarte más</a:t>
+            </a:r>
+          </a:p>
+        </p:txBody>
+      </p:sp>
+      <p:sp>
+        <p:nvSpPr>
+          <p:cNvPr id="15" name="Rectángulo 14">
+            <a:extLst>
+              <a:ext uri="{FF2B5EF4-FFF2-40B4-BE49-F238E27FC236}">
+                <a16:creationId xmlns:a16="http://schemas.microsoft.com/office/drawing/2014/main" id="{9ADF72AD-6858-625E-6580-B3A00FA19813}"/>
+              </a:ext>
+            </a:extLst>
+          </p:cNvPr>
+          <p:cNvSpPr/>
+          <p:nvPr/>
+        </p:nvSpPr>
+        <p:spPr>
+          <a:xfrm>
+            <a:off x="3168573" y="2730234"/>
+            <a:ext cx="1709450" cy="3012040"/>
+          </a:xfrm>
+          <a:prstGeom prst="rect">
+            <a:avLst/>
+          </a:prstGeom>
+          <a:solidFill>
+            <a:schemeClr val="tx1"/>
+          </a:solidFill>
+          <a:ln>
+            <a:noFill/>
+          </a:ln>
+        </p:spPr>
+        <p:style>
+          <a:lnRef idx="2">
+            <a:schemeClr val="accent1">
+              <a:shade val="50000"/>
+            </a:schemeClr>
+          </a:lnRef>
+          <a:fillRef idx="1">
+            <a:schemeClr val="accent1"/>
+          </a:fillRef>
+          <a:effectRef idx="0">
+            <a:schemeClr val="accent1"/>
+          </a:effectRef>
+          <a:fontRef idx="minor">
+            <a:schemeClr val="lt1"/>
+          </a:fontRef>
+        </p:style>
+        <p:txBody>
+          <a:bodyPr rtlCol="0" anchor="ctr"/>
+          <a:lstStyle/>
+          <a:p>
+            <a:pPr algn="ctr"/>
+            <a:r>
+              <a:rPr lang="es-ES" dirty="0">
+                <a:solidFill>
+                  <a:schemeClr val="bg1"/>
+                </a:solidFill>
+              </a:rPr>
+              <a:t>Quieres hacerte responsable</a:t>
+            </a:r>
+          </a:p>
+        </p:txBody>
+      </p:sp>
+      <p:sp>
+        <p:nvSpPr>
+          <p:cNvPr id="17" name="Rectángulo 16">
+            <a:extLst>
+              <a:ext uri="{FF2B5EF4-FFF2-40B4-BE49-F238E27FC236}">
+                <a16:creationId xmlns:a16="http://schemas.microsoft.com/office/drawing/2014/main" id="{A101F5F2-AEDB-8521-F69C-B1A232754683}"/>
+              </a:ext>
+            </a:extLst>
+          </p:cNvPr>
+          <p:cNvSpPr/>
+          <p:nvPr/>
+        </p:nvSpPr>
+        <p:spPr>
+          <a:xfrm>
+            <a:off x="7348963" y="2737608"/>
+            <a:ext cx="1709450" cy="3012040"/>
+          </a:xfrm>
+          <a:prstGeom prst="rect">
+            <a:avLst/>
+          </a:prstGeom>
+          <a:solidFill>
+            <a:schemeClr val="tx1"/>
+          </a:solidFill>
+          <a:ln>
+            <a:noFill/>
+          </a:ln>
+        </p:spPr>
+        <p:style>
+          <a:lnRef idx="2">
+            <a:schemeClr val="accent1">
+              <a:shade val="50000"/>
+            </a:schemeClr>
+          </a:lnRef>
+          <a:fillRef idx="1">
+            <a:schemeClr val="accent1"/>
+          </a:fillRef>
+          <a:effectRef idx="0">
+            <a:schemeClr val="accent1"/>
+          </a:effectRef>
+          <a:fontRef idx="minor">
+            <a:schemeClr val="lt1"/>
+          </a:fontRef>
+        </p:style>
+        <p:txBody>
+          <a:bodyPr rtlCol="0" anchor="ctr"/>
+          <a:lstStyle/>
+          <a:p>
+            <a:pPr algn="ctr"/>
+            <a:r>
+              <a:rPr lang="es-ES" dirty="0">
+                <a:solidFill>
+                  <a:schemeClr val="bg1"/>
+                </a:solidFill>
+              </a:rPr>
+              <a:t>Piensas continuar el Acogimiento durante todo el año</a:t>
             </a:r>
           </a:p>
         </p:txBody>
